--- a/Power Point/LUCKY KÁVÉZÓJA.pptx
+++ b/Power Point/LUCKY KÁVÉZÓJA.pptx
@@ -263,7 +263,7 @@
           <a:p>
             <a:fld id="{F8463954-3A60-42C8-82B9-0900590AD7EF}" type="datetimeFigureOut">
               <a:rPr lang="hu-HU" smtClean="0"/>
-              <a:t>2023. 01. 11.</a:t>
+              <a:t>2023. 01. 13.</a:t>
             </a:fld>
             <a:endParaRPr lang="hu-HU"/>
           </a:p>
@@ -461,7 +461,7 @@
           <a:p>
             <a:fld id="{F8463954-3A60-42C8-82B9-0900590AD7EF}" type="datetimeFigureOut">
               <a:rPr lang="hu-HU" smtClean="0"/>
-              <a:t>2023. 01. 11.</a:t>
+              <a:t>2023. 01. 13.</a:t>
             </a:fld>
             <a:endParaRPr lang="hu-HU"/>
           </a:p>
@@ -669,7 +669,7 @@
           <a:p>
             <a:fld id="{F8463954-3A60-42C8-82B9-0900590AD7EF}" type="datetimeFigureOut">
               <a:rPr lang="hu-HU" smtClean="0"/>
-              <a:t>2023. 01. 11.</a:t>
+              <a:t>2023. 01. 13.</a:t>
             </a:fld>
             <a:endParaRPr lang="hu-HU"/>
           </a:p>
@@ -867,7 +867,7 @@
           <a:p>
             <a:fld id="{F8463954-3A60-42C8-82B9-0900590AD7EF}" type="datetimeFigureOut">
               <a:rPr lang="hu-HU" smtClean="0"/>
-              <a:t>2023. 01. 11.</a:t>
+              <a:t>2023. 01. 13.</a:t>
             </a:fld>
             <a:endParaRPr lang="hu-HU"/>
           </a:p>
@@ -1142,7 +1142,7 @@
           <a:p>
             <a:fld id="{F8463954-3A60-42C8-82B9-0900590AD7EF}" type="datetimeFigureOut">
               <a:rPr lang="hu-HU" smtClean="0"/>
-              <a:t>2023. 01. 11.</a:t>
+              <a:t>2023. 01. 13.</a:t>
             </a:fld>
             <a:endParaRPr lang="hu-HU"/>
           </a:p>
@@ -1407,7 +1407,7 @@
           <a:p>
             <a:fld id="{F8463954-3A60-42C8-82B9-0900590AD7EF}" type="datetimeFigureOut">
               <a:rPr lang="hu-HU" smtClean="0"/>
-              <a:t>2023. 01. 11.</a:t>
+              <a:t>2023. 01. 13.</a:t>
             </a:fld>
             <a:endParaRPr lang="hu-HU"/>
           </a:p>
@@ -1819,7 +1819,7 @@
           <a:p>
             <a:fld id="{F8463954-3A60-42C8-82B9-0900590AD7EF}" type="datetimeFigureOut">
               <a:rPr lang="hu-HU" smtClean="0"/>
-              <a:t>2023. 01. 11.</a:t>
+              <a:t>2023. 01. 13.</a:t>
             </a:fld>
             <a:endParaRPr lang="hu-HU"/>
           </a:p>
@@ -1960,7 +1960,7 @@
           <a:p>
             <a:fld id="{F8463954-3A60-42C8-82B9-0900590AD7EF}" type="datetimeFigureOut">
               <a:rPr lang="hu-HU" smtClean="0"/>
-              <a:t>2023. 01. 11.</a:t>
+              <a:t>2023. 01. 13.</a:t>
             </a:fld>
             <a:endParaRPr lang="hu-HU"/>
           </a:p>
@@ -2073,7 +2073,7 @@
           <a:p>
             <a:fld id="{F8463954-3A60-42C8-82B9-0900590AD7EF}" type="datetimeFigureOut">
               <a:rPr lang="hu-HU" smtClean="0"/>
-              <a:t>2023. 01. 11.</a:t>
+              <a:t>2023. 01. 13.</a:t>
             </a:fld>
             <a:endParaRPr lang="hu-HU"/>
           </a:p>
@@ -2384,7 +2384,7 @@
           <a:p>
             <a:fld id="{F8463954-3A60-42C8-82B9-0900590AD7EF}" type="datetimeFigureOut">
               <a:rPr lang="hu-HU" smtClean="0"/>
-              <a:t>2023. 01. 11.</a:t>
+              <a:t>2023. 01. 13.</a:t>
             </a:fld>
             <a:endParaRPr lang="hu-HU"/>
           </a:p>
@@ -2672,7 +2672,7 @@
           <a:p>
             <a:fld id="{F8463954-3A60-42C8-82B9-0900590AD7EF}" type="datetimeFigureOut">
               <a:rPr lang="hu-HU" smtClean="0"/>
-              <a:t>2023. 01. 11.</a:t>
+              <a:t>2023. 01. 13.</a:t>
             </a:fld>
             <a:endParaRPr lang="hu-HU"/>
           </a:p>
@@ -2919,7 +2919,7 @@
           <a:p>
             <a:fld id="{F8463954-3A60-42C8-82B9-0900590AD7EF}" type="datetimeFigureOut">
               <a:rPr lang="hu-HU" smtClean="0"/>
-              <a:t>2023. 01. 11.</a:t>
+              <a:t>2023. 01. 13.</a:t>
             </a:fld>
             <a:endParaRPr lang="hu-HU"/>
           </a:p>
@@ -3412,6 +3412,9 @@
               <a:t> and Újvárosi Gábriel</a:t>
             </a:r>
           </a:p>
+          <a:p>
+            <a:endParaRPr lang="hu-HU" dirty="0"/>
+          </a:p>
         </p:txBody>
       </p:sp>
     </p:spTree>
@@ -3786,14 +3789,186 @@
           </a:p>
           <a:p>
             <a:r>
-              <a:rPr lang="hu-HU" dirty="0" err="1"/>
-              <a:t>Reszponziv</a:t>
-            </a:r>
-            <a:r>
-              <a:rPr lang="hu-HU"/>
-              <a:t> Legyen</a:t>
-            </a:r>
-            <a:endParaRPr lang="hu-HU" dirty="0"/>
+              <a:rPr lang="hu-HU" dirty="0"/>
+              <a:t>Reszponzív Legyen</a:t>
+            </a:r>
+          </a:p>
+          <a:p>
+            <a:r>
+              <a:rPr lang="hu-HU" dirty="0">
+                <a:solidFill>
+                  <a:schemeClr val="accent4">
+                    <a:lumMod val="20000"/>
+                    <a:lumOff val="80000"/>
+                  </a:schemeClr>
+                </a:solidFill>
+              </a:rPr>
+              <a:t>TRY NOT TO HACK THE PENTAGON</a:t>
+            </a:r>
+            <a:br>
+              <a:rPr lang="hu-HU" dirty="0">
+                <a:solidFill>
+                  <a:schemeClr val="accent4">
+                    <a:lumMod val="20000"/>
+                    <a:lumOff val="80000"/>
+                  </a:schemeClr>
+                </a:solidFill>
+              </a:rPr>
+            </a:br>
+            <a:r>
+              <a:rPr lang="hu-HU" dirty="0">
+                <a:solidFill>
+                  <a:schemeClr val="accent4">
+                    <a:lumMod val="20000"/>
+                    <a:lumOff val="80000"/>
+                  </a:schemeClr>
+                </a:solidFill>
+              </a:rPr>
+              <a:t>(FAILD)</a:t>
+            </a:r>
+            <a:br>
+              <a:rPr lang="hu-HU" dirty="0">
+                <a:solidFill>
+                  <a:schemeClr val="accent4">
+                    <a:lumMod val="20000"/>
+                    <a:lumOff val="80000"/>
+                  </a:schemeClr>
+                </a:solidFill>
+              </a:rPr>
+            </a:br>
+            <a:r>
+              <a:rPr lang="hu-HU" dirty="0">
+                <a:solidFill>
+                  <a:schemeClr val="accent4">
+                    <a:lumMod val="20000"/>
+                    <a:lumOff val="80000"/>
+                  </a:schemeClr>
+                </a:solidFill>
+              </a:rPr>
+              <a:t>PREVENT 9/11</a:t>
+            </a:r>
+          </a:p>
+        </p:txBody>
+      </p:sp>
+      <p:cxnSp>
+        <p:nvCxnSpPr>
+          <p:cNvPr id="5" name="Összekötő: szögletes 4">
+            <a:extLst>
+              <a:ext uri="{FF2B5EF4-FFF2-40B4-BE49-F238E27FC236}">
+                <a16:creationId xmlns:a16="http://schemas.microsoft.com/office/drawing/2014/main" id="{589C9741-356D-4D73-B521-63E1377879C4}"/>
+              </a:ext>
+            </a:extLst>
+          </p:cNvPr>
+          <p:cNvCxnSpPr/>
+          <p:nvPr/>
+        </p:nvCxnSpPr>
+        <p:spPr>
+          <a:xfrm rot="10800000">
+            <a:off x="5321300" y="1003300"/>
+            <a:ext cx="5765800" cy="4000500"/>
+          </a:xfrm>
+          <a:prstGeom prst="bentConnector3">
+            <a:avLst/>
+          </a:prstGeom>
+          <a:ln>
+            <a:tailEnd type="triangle"/>
+          </a:ln>
+        </p:spPr>
+        <p:style>
+          <a:lnRef idx="1">
+            <a:schemeClr val="accent1"/>
+          </a:lnRef>
+          <a:fillRef idx="0">
+            <a:schemeClr val="accent1"/>
+          </a:fillRef>
+          <a:effectRef idx="0">
+            <a:schemeClr val="accent1"/>
+          </a:effectRef>
+          <a:fontRef idx="minor">
+            <a:schemeClr val="tx1"/>
+          </a:fontRef>
+        </p:style>
+      </p:cxnSp>
+      <p:pic>
+        <p:nvPicPr>
+          <p:cNvPr id="7" name="Kép 6">
+            <a:extLst>
+              <a:ext uri="{FF2B5EF4-FFF2-40B4-BE49-F238E27FC236}">
+                <a16:creationId xmlns:a16="http://schemas.microsoft.com/office/drawing/2014/main" id="{77AC488E-872C-47A5-BD9F-B37FA6575AF8}"/>
+              </a:ext>
+            </a:extLst>
+          </p:cNvPr>
+          <p:cNvPicPr>
+            <a:picLocks noChangeAspect="1"/>
+          </p:cNvPicPr>
+          <p:nvPr/>
+        </p:nvPicPr>
+        <p:blipFill>
+          <a:blip r:embed="rId2">
+            <a:extLst>
+              <a:ext uri="{28A0092B-C50C-407E-A947-70E740481C1C}">
+                <a14:useLocalDpi xmlns:a14="http://schemas.microsoft.com/office/drawing/2010/main" val="0"/>
+              </a:ext>
+            </a:extLst>
+          </a:blip>
+          <a:stretch>
+            <a:fillRect/>
+          </a:stretch>
+        </p:blipFill>
+        <p:spPr>
+          <a:xfrm>
+            <a:off x="6589305" y="1843722"/>
+            <a:ext cx="4764495" cy="3170555"/>
+          </a:xfrm>
+          <a:prstGeom prst="rect">
+            <a:avLst/>
+          </a:prstGeom>
+        </p:spPr>
+      </p:pic>
+      <p:sp>
+        <p:nvSpPr>
+          <p:cNvPr id="16" name="Akciógomb: Súgó 15">
+            <a:hlinkClick r:id="rId3" highlightClick="1"/>
+            <a:extLst>
+              <a:ext uri="{FF2B5EF4-FFF2-40B4-BE49-F238E27FC236}">
+                <a16:creationId xmlns:a16="http://schemas.microsoft.com/office/drawing/2014/main" id="{B922C8AB-D531-4045-9BE9-4A35271C0B1F}"/>
+              </a:ext>
+            </a:extLst>
+          </p:cNvPr>
+          <p:cNvSpPr/>
+          <p:nvPr/>
+        </p:nvSpPr>
+        <p:spPr>
+          <a:xfrm>
+            <a:off x="6589305" y="3764280"/>
+            <a:ext cx="1167855" cy="1239520"/>
+          </a:xfrm>
+          <a:prstGeom prst="actionButtonHelp">
+            <a:avLst/>
+          </a:prstGeom>
+        </p:spPr>
+        <p:style>
+          <a:lnRef idx="2">
+            <a:schemeClr val="accent1">
+              <a:shade val="50000"/>
+            </a:schemeClr>
+          </a:lnRef>
+          <a:fillRef idx="1">
+            <a:schemeClr val="accent1"/>
+          </a:fillRef>
+          <a:effectRef idx="0">
+            <a:schemeClr val="accent1"/>
+          </a:effectRef>
+          <a:fontRef idx="minor">
+            <a:schemeClr val="lt1"/>
+          </a:fontRef>
+        </p:style>
+        <p:txBody>
+          <a:bodyPr rtlCol="0" anchor="ctr"/>
+          <a:lstStyle/>
+          <a:p>
+            <a:pPr algn="ctr"/>
+            <a:endParaRPr lang="hu-HU"/>
           </a:p>
         </p:txBody>
       </p:sp>
@@ -3930,6 +4105,42 @@
           </a:p>
         </p:txBody>
       </p:sp>
+      <p:pic>
+        <p:nvPicPr>
+          <p:cNvPr id="5" name="Kép 4">
+            <a:extLst>
+              <a:ext uri="{FF2B5EF4-FFF2-40B4-BE49-F238E27FC236}">
+                <a16:creationId xmlns:a16="http://schemas.microsoft.com/office/drawing/2014/main" id="{FC7144F5-D7CB-4EFD-B8AD-F16BF1AAD811}"/>
+              </a:ext>
+            </a:extLst>
+          </p:cNvPr>
+          <p:cNvPicPr>
+            <a:picLocks noChangeAspect="1"/>
+          </p:cNvPicPr>
+          <p:nvPr/>
+        </p:nvPicPr>
+        <p:blipFill>
+          <a:blip r:embed="rId2">
+            <a:extLst>
+              <a:ext uri="{28A0092B-C50C-407E-A947-70E740481C1C}">
+                <a14:useLocalDpi xmlns:a14="http://schemas.microsoft.com/office/drawing/2010/main" val="0"/>
+              </a:ext>
+            </a:extLst>
+          </a:blip>
+          <a:stretch>
+            <a:fillRect/>
+          </a:stretch>
+        </p:blipFill>
+        <p:spPr>
+          <a:xfrm>
+            <a:off x="3672841" y="0"/>
+            <a:ext cx="2772728" cy="1690688"/>
+          </a:xfrm>
+          <a:prstGeom prst="rect">
+            <a:avLst/>
+          </a:prstGeom>
+        </p:spPr>
+      </p:pic>
     </p:spTree>
     <p:extLst>
       <p:ext uri="{BB962C8B-B14F-4D97-AF65-F5344CB8AC3E}">
@@ -4538,149 +4749,24 @@
                                   </p:childTnLst>
                                 </p:cTn>
                               </p:par>
-                              <p:par>
-                                <p:cTn id="35" presetID="26" presetClass="path" presetSubtype="0" accel="50000" decel="50000" fill="hold" grpId="0" nodeType="withEffect">
-                                  <p:stCondLst>
-                                    <p:cond delay="0"/>
-                                  </p:stCondLst>
-                                  <p:childTnLst>
-                                    <p:animMotion origin="layout" path="M 0 0 C 0 0.033 0.027 0.06 0.06 0.06 C 0.099 0.06 0.113 0.03 0.119 0.012 L 0.125 -0.012 C 0.131 -0.03 0.146 -0.06 0.19 -0.06 C 0.218 -0.06 0.25 -0.033 0.25 0 C 0.25 0.033 0.218 0.06 0.19 0.06 C 0.146 0.06 0.131 0.03 0.125 0.012 L 0.119 -0.012 C 0.113 -0.03 0.099 -0.06 0.06 -0.06 C 0.027 -0.06 0 -0.033 0 0 Z" pathEditMode="relative" ptsTypes="">
-                                      <p:cBhvr>
-                                        <p:cTn id="36" dur="2000" fill="hold"/>
-                                        <p:tgtEl>
-                                          <p:spTgt spid="3">
-                                            <p:txEl>
-                                              <p:pRg st="0" end="0"/>
-                                            </p:txEl>
-                                          </p:spTgt>
-                                        </p:tgtEl>
-                                        <p:attrNameLst>
-                                          <p:attrName>ppt_x</p:attrName>
-                                          <p:attrName>ppt_y</p:attrName>
-                                        </p:attrNameLst>
-                                      </p:cBhvr>
-                                    </p:animMotion>
-                                  </p:childTnLst>
-                                </p:cTn>
-                              </p:par>
-                              <p:par>
-                                <p:cTn id="37" presetID="26" presetClass="path" presetSubtype="0" accel="50000" decel="50000" fill="hold" grpId="0" nodeType="withEffect">
-                                  <p:stCondLst>
-                                    <p:cond delay="0"/>
-                                  </p:stCondLst>
-                                  <p:childTnLst>
-                                    <p:animMotion origin="layout" path="M 0 0 C 0 0.033 0.027 0.06 0.06 0.06 C 0.099 0.06 0.113 0.03 0.119 0.012 L 0.125 -0.012 C 0.131 -0.03 0.146 -0.06 0.19 -0.06 C 0.218 -0.06 0.25 -0.033 0.25 0 C 0.25 0.033 0.218 0.06 0.19 0.06 C 0.146 0.06 0.131 0.03 0.125 0.012 L 0.119 -0.012 C 0.113 -0.03 0.099 -0.06 0.06 -0.06 C 0.027 -0.06 0 -0.033 0 0 Z" pathEditMode="relative" ptsTypes="">
-                                      <p:cBhvr>
-                                        <p:cTn id="38" dur="2000" fill="hold"/>
-                                        <p:tgtEl>
-                                          <p:spTgt spid="3">
-                                            <p:txEl>
-                                              <p:pRg st="1" end="1"/>
-                                            </p:txEl>
-                                          </p:spTgt>
-                                        </p:tgtEl>
-                                        <p:attrNameLst>
-                                          <p:attrName>ppt_x</p:attrName>
-                                          <p:attrName>ppt_y</p:attrName>
-                                        </p:attrNameLst>
-                                      </p:cBhvr>
-                                    </p:animMotion>
-                                  </p:childTnLst>
-                                </p:cTn>
-                              </p:par>
-                              <p:par>
-                                <p:cTn id="39" presetID="26" presetClass="path" presetSubtype="0" accel="50000" decel="50000" fill="hold" grpId="0" nodeType="withEffect">
-                                  <p:stCondLst>
-                                    <p:cond delay="0"/>
-                                  </p:stCondLst>
-                                  <p:childTnLst>
-                                    <p:animMotion origin="layout" path="M 0 0 C 0 0.033 0.027 0.06 0.06 0.06 C 0.099 0.06 0.113 0.03 0.119 0.012 L 0.125 -0.012 C 0.131 -0.03 0.146 -0.06 0.19 -0.06 C 0.218 -0.06 0.25 -0.033 0.25 0 C 0.25 0.033 0.218 0.06 0.19 0.06 C 0.146 0.06 0.131 0.03 0.125 0.012 L 0.119 -0.012 C 0.113 -0.03 0.099 -0.06 0.06 -0.06 C 0.027 -0.06 0 -0.033 0 0 Z" pathEditMode="relative" ptsTypes="">
-                                      <p:cBhvr>
-                                        <p:cTn id="40" dur="2000" fill="hold"/>
-                                        <p:tgtEl>
-                                          <p:spTgt spid="3">
-                                            <p:txEl>
-                                              <p:pRg st="2" end="2"/>
-                                            </p:txEl>
-                                          </p:spTgt>
-                                        </p:tgtEl>
-                                        <p:attrNameLst>
-                                          <p:attrName>ppt_x</p:attrName>
-                                          <p:attrName>ppt_y</p:attrName>
-                                        </p:attrNameLst>
-                                      </p:cBhvr>
-                                    </p:animMotion>
-                                  </p:childTnLst>
-                                </p:cTn>
-                              </p:par>
-                              <p:par>
-                                <p:cTn id="41" presetID="26" presetClass="path" presetSubtype="0" accel="50000" decel="50000" fill="hold" grpId="0" nodeType="withEffect">
-                                  <p:stCondLst>
-                                    <p:cond delay="0"/>
-                                  </p:stCondLst>
-                                  <p:childTnLst>
-                                    <p:animMotion origin="layout" path="M 0 0 C 0 0.033 0.027 0.06 0.06 0.06 C 0.099 0.06 0.113 0.03 0.119 0.012 L 0.125 -0.012 C 0.131 -0.03 0.146 -0.06 0.19 -0.06 C 0.218 -0.06 0.25 -0.033 0.25 0 C 0.25 0.033 0.218 0.06 0.19 0.06 C 0.146 0.06 0.131 0.03 0.125 0.012 L 0.119 -0.012 C 0.113 -0.03 0.099 -0.06 0.06 -0.06 C 0.027 -0.06 0 -0.033 0 0 Z" pathEditMode="relative" ptsTypes="">
-                                      <p:cBhvr>
-                                        <p:cTn id="42" dur="2000" fill="hold"/>
-                                        <p:tgtEl>
-                                          <p:spTgt spid="3">
-                                            <p:txEl>
-                                              <p:pRg st="3" end="3"/>
-                                            </p:txEl>
-                                          </p:spTgt>
-                                        </p:tgtEl>
-                                        <p:attrNameLst>
-                                          <p:attrName>ppt_x</p:attrName>
-                                          <p:attrName>ppt_y</p:attrName>
-                                        </p:attrNameLst>
-                                      </p:cBhvr>
-                                    </p:animMotion>
-                                  </p:childTnLst>
-                                </p:cTn>
-                              </p:par>
-                              <p:par>
-                                <p:cTn id="43" presetID="26" presetClass="path" presetSubtype="0" accel="50000" decel="50000" fill="hold" grpId="0" nodeType="withEffect">
-                                  <p:stCondLst>
-                                    <p:cond delay="0"/>
-                                  </p:stCondLst>
-                                  <p:childTnLst>
-                                    <p:animMotion origin="layout" path="M 0 0 C 0 0.033 0.027 0.06 0.06 0.06 C 0.099 0.06 0.113 0.03 0.119 0.012 L 0.125 -0.012 C 0.131 -0.03 0.146 -0.06 0.19 -0.06 C 0.218 -0.06 0.25 -0.033 0.25 0 C 0.25 0.033 0.218 0.06 0.19 0.06 C 0.146 0.06 0.131 0.03 0.125 0.012 L 0.119 -0.012 C 0.113 -0.03 0.099 -0.06 0.06 -0.06 C 0.027 -0.06 0 -0.033 0 0 Z" pathEditMode="relative" ptsTypes="">
-                                      <p:cBhvr>
-                                        <p:cTn id="44" dur="2000" fill="hold"/>
-                                        <p:tgtEl>
-                                          <p:spTgt spid="3">
-                                            <p:txEl>
-                                              <p:pRg st="4" end="4"/>
-                                            </p:txEl>
-                                          </p:spTgt>
-                                        </p:tgtEl>
-                                        <p:attrNameLst>
-                                          <p:attrName>ppt_x</p:attrName>
-                                          <p:attrName>ppt_y</p:attrName>
-                                        </p:attrNameLst>
-                                      </p:cBhvr>
-                                    </p:animMotion>
-                                  </p:childTnLst>
-                                </p:cTn>
-                              </p:par>
                             </p:childTnLst>
                           </p:cTn>
                         </p:par>
                         <p:par>
-                          <p:cTn id="45" fill="hold">
+                          <p:cTn id="35" fill="hold">
                             <p:stCondLst>
                               <p:cond delay="2000"/>
                             </p:stCondLst>
                             <p:childTnLst>
                               <p:par>
-                                <p:cTn id="46" presetID="26" presetClass="emph" presetSubtype="0" fill="hold" grpId="1" nodeType="afterEffect">
+                                <p:cTn id="36" presetID="26" presetClass="emph" presetSubtype="0" fill="hold" grpId="1" nodeType="afterEffect">
                                   <p:stCondLst>
                                     <p:cond delay="0"/>
                                   </p:stCondLst>
                                   <p:childTnLst>
                                     <p:animEffect transition="out" filter="fade">
                                       <p:cBhvr>
-                                        <p:cTn id="47" dur="500" tmFilter="0, 0; .2, .5; .8, .5; 1, 0"/>
+                                        <p:cTn id="37" dur="500" tmFilter="0, 0; .2, .5; .8, .5; 1, 0"/>
                                         <p:tgtEl>
                                           <p:spTgt spid="3">
                                             <p:txEl>
@@ -4692,7 +4778,7 @@
                                     </p:animEffect>
                                     <p:animScale>
                                       <p:cBhvr>
-                                        <p:cTn id="48" dur="250" autoRev="1" fill="hold"/>
+                                        <p:cTn id="38" dur="250" autoRev="1" fill="hold"/>
                                         <p:tgtEl>
                                           <p:spTgt spid="3">
                                             <p:txEl>
@@ -4710,20 +4796,20 @@
                           </p:cTn>
                         </p:par>
                         <p:par>
-                          <p:cTn id="49" fill="hold">
+                          <p:cTn id="39" fill="hold">
                             <p:stCondLst>
                               <p:cond delay="2500"/>
                             </p:stCondLst>
                             <p:childTnLst>
                               <p:par>
-                                <p:cTn id="50" presetID="26" presetClass="emph" presetSubtype="0" fill="hold" grpId="1" nodeType="afterEffect">
+                                <p:cTn id="40" presetID="26" presetClass="emph" presetSubtype="0" fill="hold" grpId="1" nodeType="afterEffect">
                                   <p:stCondLst>
                                     <p:cond delay="0"/>
                                   </p:stCondLst>
                                   <p:childTnLst>
                                     <p:animEffect transition="out" filter="fade">
                                       <p:cBhvr>
-                                        <p:cTn id="51" dur="500" tmFilter="0, 0; .2, .5; .8, .5; 1, 0"/>
+                                        <p:cTn id="41" dur="500" tmFilter="0, 0; .2, .5; .8, .5; 1, 0"/>
                                         <p:tgtEl>
                                           <p:spTgt spid="3">
                                             <p:txEl>
@@ -4735,7 +4821,7 @@
                                     </p:animEffect>
                                     <p:animScale>
                                       <p:cBhvr>
-                                        <p:cTn id="52" dur="250" autoRev="1" fill="hold"/>
+                                        <p:cTn id="42" dur="250" autoRev="1" fill="hold"/>
                                         <p:tgtEl>
                                           <p:spTgt spid="3">
                                             <p:txEl>
@@ -4753,20 +4839,20 @@
                           </p:cTn>
                         </p:par>
                         <p:par>
-                          <p:cTn id="53" fill="hold">
+                          <p:cTn id="43" fill="hold">
                             <p:stCondLst>
                               <p:cond delay="3000"/>
                             </p:stCondLst>
                             <p:childTnLst>
                               <p:par>
-                                <p:cTn id="54" presetID="26" presetClass="emph" presetSubtype="0" fill="hold" grpId="1" nodeType="afterEffect">
+                                <p:cTn id="44" presetID="26" presetClass="emph" presetSubtype="0" fill="hold" grpId="1" nodeType="afterEffect">
                                   <p:stCondLst>
                                     <p:cond delay="0"/>
                                   </p:stCondLst>
                                   <p:childTnLst>
                                     <p:animEffect transition="out" filter="fade">
                                       <p:cBhvr>
-                                        <p:cTn id="55" dur="500" tmFilter="0, 0; .2, .5; .8, .5; 1, 0"/>
+                                        <p:cTn id="45" dur="500" tmFilter="0, 0; .2, .5; .8, .5; 1, 0"/>
                                         <p:tgtEl>
                                           <p:spTgt spid="3">
                                             <p:txEl>
@@ -4778,7 +4864,7 @@
                                     </p:animEffect>
                                     <p:animScale>
                                       <p:cBhvr>
-                                        <p:cTn id="56" dur="250" autoRev="1" fill="hold"/>
+                                        <p:cTn id="46" dur="250" autoRev="1" fill="hold"/>
                                         <p:tgtEl>
                                           <p:spTgt spid="3">
                                             <p:txEl>
@@ -4796,20 +4882,20 @@
                           </p:cTn>
                         </p:par>
                         <p:par>
-                          <p:cTn id="57" fill="hold">
+                          <p:cTn id="47" fill="hold">
                             <p:stCondLst>
                               <p:cond delay="3500"/>
                             </p:stCondLst>
                             <p:childTnLst>
                               <p:par>
-                                <p:cTn id="58" presetID="26" presetClass="emph" presetSubtype="0" fill="hold" grpId="1" nodeType="afterEffect">
+                                <p:cTn id="48" presetID="26" presetClass="emph" presetSubtype="0" fill="hold" grpId="1" nodeType="afterEffect">
                                   <p:stCondLst>
                                     <p:cond delay="0"/>
                                   </p:stCondLst>
                                   <p:childTnLst>
                                     <p:animEffect transition="out" filter="fade">
                                       <p:cBhvr>
-                                        <p:cTn id="59" dur="500" tmFilter="0, 0; .2, .5; .8, .5; 1, 0"/>
+                                        <p:cTn id="49" dur="500" tmFilter="0, 0; .2, .5; .8, .5; 1, 0"/>
                                         <p:tgtEl>
                                           <p:spTgt spid="3">
                                             <p:txEl>
@@ -4821,7 +4907,7 @@
                                     </p:animEffect>
                                     <p:animScale>
                                       <p:cBhvr>
-                                        <p:cTn id="60" dur="250" autoRev="1" fill="hold"/>
+                                        <p:cTn id="50" dur="250" autoRev="1" fill="hold"/>
                                         <p:tgtEl>
                                           <p:spTgt spid="3">
                                             <p:txEl>
@@ -4839,20 +4925,20 @@
                           </p:cTn>
                         </p:par>
                         <p:par>
-                          <p:cTn id="61" fill="hold">
+                          <p:cTn id="51" fill="hold">
                             <p:stCondLst>
                               <p:cond delay="4000"/>
                             </p:stCondLst>
                             <p:childTnLst>
                               <p:par>
-                                <p:cTn id="62" presetID="26" presetClass="emph" presetSubtype="0" fill="hold" grpId="1" nodeType="afterEffect">
+                                <p:cTn id="52" presetID="26" presetClass="emph" presetSubtype="0" fill="hold" grpId="1" nodeType="afterEffect">
                                   <p:stCondLst>
                                     <p:cond delay="0"/>
                                   </p:stCondLst>
                                   <p:childTnLst>
                                     <p:animEffect transition="out" filter="fade">
                                       <p:cBhvr>
-                                        <p:cTn id="63" dur="500" tmFilter="0, 0; .2, .5; .8, .5; 1, 0"/>
+                                        <p:cTn id="53" dur="500" tmFilter="0, 0; .2, .5; .8, .5; 1, 0"/>
                                         <p:tgtEl>
                                           <p:spTgt spid="3">
                                             <p:txEl>
@@ -4864,7 +4950,7 @@
                                     </p:animEffect>
                                     <p:animScale>
                                       <p:cBhvr>
-                                        <p:cTn id="64" dur="250" autoRev="1" fill="hold"/>
+                                        <p:cTn id="54" dur="250" autoRev="1" fill="hold"/>
                                         <p:tgtEl>
                                           <p:spTgt spid="3">
                                             <p:txEl>
@@ -4907,7 +4993,6 @@
     </p:tnLst>
     <p:bldLst>
       <p:bldP spid="2" grpId="0"/>
-      <p:bldP spid="3" grpId="0" uiExpand="1" build="p"/>
       <p:bldP spid="3" grpId="1" build="p"/>
     </p:bldLst>
   </p:timing>
@@ -8177,7 +8262,7 @@
                                 </p:cTn>
                               </p:par>
                               <p:par>
-                                <p:cTn id="15" presetID="28" presetClass="entr" presetSubtype="0" fill="hold" grpId="0" nodeType="withEffect">
+                                <p:cTn id="15" presetID="42" presetClass="entr" presetSubtype="0" fill="hold" grpId="0" nodeType="withEffect">
                                   <p:stCondLst>
                                     <p:cond delay="0"/>
                                   </p:stCondLst>
@@ -8204,9 +8289,21 @@
                                         <p:strVal val="visible"/>
                                       </p:to>
                                     </p:set>
+                                    <p:animEffect transition="in" filter="fade">
+                                      <p:cBhvr>
+                                        <p:cTn id="17" dur="1000"/>
+                                        <p:tgtEl>
+                                          <p:spTgt spid="3">
+                                            <p:txEl>
+                                              <p:pRg st="0" end="0"/>
+                                            </p:txEl>
+                                          </p:spTgt>
+                                        </p:tgtEl>
+                                      </p:cBhvr>
+                                    </p:animEffect>
                                     <p:anim calcmode="lin" valueType="num">
                                       <p:cBhvr>
-                                        <p:cTn id="17" dur="15000" fill="hold"/>
+                                        <p:cTn id="18" dur="1000" fill="hold"/>
                                         <p:tgtEl>
                                           <p:spTgt spid="3">
                                             <p:txEl>
@@ -8233,7 +8330,7 @@
                                     </p:anim>
                                     <p:anim calcmode="lin" valueType="num">
                                       <p:cBhvr>
-                                        <p:cTn id="18" dur="15000" fill="hold"/>
+                                        <p:cTn id="19" dur="1000" fill="hold"/>
                                         <p:tgtEl>
                                           <p:spTgt spid="3">
                                             <p:txEl>
@@ -8248,12 +8345,12 @@
                                       <p:tavLst>
                                         <p:tav tm="0">
                                           <p:val>
-                                            <p:strVal val="#ppt_y+1"/>
+                                            <p:strVal val="#ppt_y+.1"/>
                                           </p:val>
                                         </p:tav>
                                         <p:tav tm="100000">
                                           <p:val>
-                                            <p:strVal val="#ppt_y-1"/>
+                                            <p:strVal val="#ppt_y"/>
                                           </p:val>
                                         </p:tav>
                                       </p:tavLst>
@@ -8262,14 +8359,14 @@
                                 </p:cTn>
                               </p:par>
                               <p:par>
-                                <p:cTn id="19" presetID="28" presetClass="entr" presetSubtype="0" fill="hold" grpId="0" nodeType="withEffect">
+                                <p:cTn id="20" presetID="42" presetClass="entr" presetSubtype="0" fill="hold" grpId="0" nodeType="withEffect">
                                   <p:stCondLst>
                                     <p:cond delay="0"/>
                                   </p:stCondLst>
                                   <p:childTnLst>
                                     <p:set>
                                       <p:cBhvr>
-                                        <p:cTn id="20" dur="1" fill="hold">
+                                        <p:cTn id="21" dur="1" fill="hold">
                                           <p:stCondLst>
                                             <p:cond delay="0"/>
                                           </p:stCondLst>
@@ -8289,9 +8386,21 @@
                                         <p:strVal val="visible"/>
                                       </p:to>
                                     </p:set>
+                                    <p:animEffect transition="in" filter="fade">
+                                      <p:cBhvr>
+                                        <p:cTn id="22" dur="1000"/>
+                                        <p:tgtEl>
+                                          <p:spTgt spid="3">
+                                            <p:txEl>
+                                              <p:pRg st="1" end="1"/>
+                                            </p:txEl>
+                                          </p:spTgt>
+                                        </p:tgtEl>
+                                      </p:cBhvr>
+                                    </p:animEffect>
                                     <p:anim calcmode="lin" valueType="num">
                                       <p:cBhvr>
-                                        <p:cTn id="21" dur="15000" fill="hold"/>
+                                        <p:cTn id="23" dur="1000" fill="hold"/>
                                         <p:tgtEl>
                                           <p:spTgt spid="3">
                                             <p:txEl>
@@ -8318,7 +8427,7 @@
                                     </p:anim>
                                     <p:anim calcmode="lin" valueType="num">
                                       <p:cBhvr>
-                                        <p:cTn id="22" dur="15000" fill="hold"/>
+                                        <p:cTn id="24" dur="1000" fill="hold"/>
                                         <p:tgtEl>
                                           <p:spTgt spid="3">
                                             <p:txEl>
@@ -8333,12 +8442,12 @@
                                       <p:tavLst>
                                         <p:tav tm="0">
                                           <p:val>
-                                            <p:strVal val="#ppt_y+1"/>
+                                            <p:strVal val="#ppt_y+.1"/>
                                           </p:val>
                                         </p:tav>
                                         <p:tav tm="100000">
                                           <p:val>
-                                            <p:strVal val="#ppt_y-1"/>
+                                            <p:strVal val="#ppt_y"/>
                                           </p:val>
                                         </p:tav>
                                       </p:tavLst>
@@ -8347,14 +8456,14 @@
                                 </p:cTn>
                               </p:par>
                               <p:par>
-                                <p:cTn id="23" presetID="28" presetClass="entr" presetSubtype="0" fill="hold" nodeType="withEffect">
+                                <p:cTn id="25" presetID="42" presetClass="entr" presetSubtype="0" fill="hold" nodeType="withEffect">
                                   <p:stCondLst>
                                     <p:cond delay="0"/>
                                   </p:stCondLst>
                                   <p:childTnLst>
                                     <p:set>
                                       <p:cBhvr>
-                                        <p:cTn id="24" dur="1" fill="hold">
+                                        <p:cTn id="26" dur="1" fill="hold">
                                           <p:stCondLst>
                                             <p:cond delay="0"/>
                                           </p:stCondLst>
@@ -8370,9 +8479,17 @@
                                         <p:strVal val="visible"/>
                                       </p:to>
                                     </p:set>
+                                    <p:animEffect transition="in" filter="fade">
+                                      <p:cBhvr>
+                                        <p:cTn id="27" dur="1000"/>
+                                        <p:tgtEl>
+                                          <p:spTgt spid="7"/>
+                                        </p:tgtEl>
+                                      </p:cBhvr>
+                                    </p:animEffect>
                                     <p:anim calcmode="lin" valueType="num">
                                       <p:cBhvr>
-                                        <p:cTn id="25" dur="15000" fill="hold"/>
+                                        <p:cTn id="28" dur="1000" fill="hold"/>
                                         <p:tgtEl>
                                           <p:spTgt spid="7"/>
                                         </p:tgtEl>
@@ -8395,7 +8512,7 @@
                                     </p:anim>
                                     <p:anim calcmode="lin" valueType="num">
                                       <p:cBhvr>
-                                        <p:cTn id="26" dur="15000" fill="hold"/>
+                                        <p:cTn id="29" dur="1000" fill="hold"/>
                                         <p:tgtEl>
                                           <p:spTgt spid="7"/>
                                         </p:tgtEl>
@@ -8406,12 +8523,12 @@
                                       <p:tavLst>
                                         <p:tav tm="0">
                                           <p:val>
-                                            <p:strVal val="#ppt_y+1"/>
+                                            <p:strVal val="#ppt_y+.1"/>
                                           </p:val>
                                         </p:tav>
                                         <p:tav tm="100000">
                                           <p:val>
-                                            <p:strVal val="#ppt_y-1"/>
+                                            <p:strVal val="#ppt_y"/>
                                           </p:val>
                                         </p:tav>
                                       </p:tavLst>
@@ -8423,13 +8540,13 @@
                           </p:cTn>
                         </p:par>
                         <p:par>
-                          <p:cTn id="27" fill="hold">
+                          <p:cTn id="30" fill="hold">
                             <p:stCondLst>
-                              <p:cond delay="15000"/>
+                              <p:cond delay="1000"/>
                             </p:stCondLst>
                             <p:childTnLst>
                               <p:par>
-                                <p:cTn id="28" presetID="18" presetClass="emph" presetSubtype="0" fill="hold" grpId="1" nodeType="afterEffect">
+                                <p:cTn id="31" presetID="18" presetClass="emph" presetSubtype="0" fill="hold" grpId="1" nodeType="afterEffect">
                                   <p:stCondLst>
                                     <p:cond delay="0"/>
                                   </p:stCondLst>
@@ -8439,7 +8556,7 @@
                                   <p:childTnLst>
                                     <p:set>
                                       <p:cBhvr override="childStyle">
-                                        <p:cTn id="29" dur="500" fill="hold"/>
+                                        <p:cTn id="32" dur="500" fill="hold"/>
                                         <p:tgtEl>
                                           <p:spTgt spid="2"/>
                                         </p:tgtEl>

--- a/Power Point/LUCKY KÁVÉZÓJA.pptx
+++ b/Power Point/LUCKY KÁVÉZÓJA.pptx
@@ -263,7 +263,7 @@
           <a:p>
             <a:fld id="{F8463954-3A60-42C8-82B9-0900590AD7EF}" type="datetimeFigureOut">
               <a:rPr lang="hu-HU" smtClean="0"/>
-              <a:t>2023. 01. 13.</a:t>
+              <a:t>2023. 01. 18.</a:t>
             </a:fld>
             <a:endParaRPr lang="hu-HU"/>
           </a:p>
@@ -461,7 +461,7 @@
           <a:p>
             <a:fld id="{F8463954-3A60-42C8-82B9-0900590AD7EF}" type="datetimeFigureOut">
               <a:rPr lang="hu-HU" smtClean="0"/>
-              <a:t>2023. 01. 13.</a:t>
+              <a:t>2023. 01. 18.</a:t>
             </a:fld>
             <a:endParaRPr lang="hu-HU"/>
           </a:p>
@@ -669,7 +669,7 @@
           <a:p>
             <a:fld id="{F8463954-3A60-42C8-82B9-0900590AD7EF}" type="datetimeFigureOut">
               <a:rPr lang="hu-HU" smtClean="0"/>
-              <a:t>2023. 01. 13.</a:t>
+              <a:t>2023. 01. 18.</a:t>
             </a:fld>
             <a:endParaRPr lang="hu-HU"/>
           </a:p>
@@ -867,7 +867,7 @@
           <a:p>
             <a:fld id="{F8463954-3A60-42C8-82B9-0900590AD7EF}" type="datetimeFigureOut">
               <a:rPr lang="hu-HU" smtClean="0"/>
-              <a:t>2023. 01. 13.</a:t>
+              <a:t>2023. 01. 18.</a:t>
             </a:fld>
             <a:endParaRPr lang="hu-HU"/>
           </a:p>
@@ -1142,7 +1142,7 @@
           <a:p>
             <a:fld id="{F8463954-3A60-42C8-82B9-0900590AD7EF}" type="datetimeFigureOut">
               <a:rPr lang="hu-HU" smtClean="0"/>
-              <a:t>2023. 01. 13.</a:t>
+              <a:t>2023. 01. 18.</a:t>
             </a:fld>
             <a:endParaRPr lang="hu-HU"/>
           </a:p>
@@ -1407,7 +1407,7 @@
           <a:p>
             <a:fld id="{F8463954-3A60-42C8-82B9-0900590AD7EF}" type="datetimeFigureOut">
               <a:rPr lang="hu-HU" smtClean="0"/>
-              <a:t>2023. 01. 13.</a:t>
+              <a:t>2023. 01. 18.</a:t>
             </a:fld>
             <a:endParaRPr lang="hu-HU"/>
           </a:p>
@@ -1819,7 +1819,7 @@
           <a:p>
             <a:fld id="{F8463954-3A60-42C8-82B9-0900590AD7EF}" type="datetimeFigureOut">
               <a:rPr lang="hu-HU" smtClean="0"/>
-              <a:t>2023. 01. 13.</a:t>
+              <a:t>2023. 01. 18.</a:t>
             </a:fld>
             <a:endParaRPr lang="hu-HU"/>
           </a:p>
@@ -1960,7 +1960,7 @@
           <a:p>
             <a:fld id="{F8463954-3A60-42C8-82B9-0900590AD7EF}" type="datetimeFigureOut">
               <a:rPr lang="hu-HU" smtClean="0"/>
-              <a:t>2023. 01. 13.</a:t>
+              <a:t>2023. 01. 18.</a:t>
             </a:fld>
             <a:endParaRPr lang="hu-HU"/>
           </a:p>
@@ -2073,7 +2073,7 @@
           <a:p>
             <a:fld id="{F8463954-3A60-42C8-82B9-0900590AD7EF}" type="datetimeFigureOut">
               <a:rPr lang="hu-HU" smtClean="0"/>
-              <a:t>2023. 01. 13.</a:t>
+              <a:t>2023. 01. 18.</a:t>
             </a:fld>
             <a:endParaRPr lang="hu-HU"/>
           </a:p>
@@ -2384,7 +2384,7 @@
           <a:p>
             <a:fld id="{F8463954-3A60-42C8-82B9-0900590AD7EF}" type="datetimeFigureOut">
               <a:rPr lang="hu-HU" smtClean="0"/>
-              <a:t>2023. 01. 13.</a:t>
+              <a:t>2023. 01. 18.</a:t>
             </a:fld>
             <a:endParaRPr lang="hu-HU"/>
           </a:p>
@@ -2672,7 +2672,7 @@
           <a:p>
             <a:fld id="{F8463954-3A60-42C8-82B9-0900590AD7EF}" type="datetimeFigureOut">
               <a:rPr lang="hu-HU" smtClean="0"/>
-              <a:t>2023. 01. 13.</a:t>
+              <a:t>2023. 01. 18.</a:t>
             </a:fld>
             <a:endParaRPr lang="hu-HU"/>
           </a:p>
@@ -2919,7 +2919,7 @@
           <a:p>
             <a:fld id="{F8463954-3A60-42C8-82B9-0900590AD7EF}" type="datetimeFigureOut">
               <a:rPr lang="hu-HU" smtClean="0"/>
-              <a:t>2023. 01. 13.</a:t>
+              <a:t>2023. 01. 18.</a:t>
             </a:fld>
             <a:endParaRPr lang="hu-HU"/>
           </a:p>
@@ -5032,7 +5032,12 @@
             <p:ph type="title"/>
           </p:nvPr>
         </p:nvSpPr>
-        <p:spPr/>
+        <p:spPr>
+          <a:xfrm>
+            <a:off x="838200" y="365125"/>
+            <a:ext cx="10515600" cy="1325563"/>
+          </a:xfrm>
+        </p:spPr>
         <p:txBody>
           <a:bodyPr/>
           <a:lstStyle/>
@@ -5063,7 +5068,7 @@
         <p:spPr/>
         <p:txBody>
           <a:bodyPr>
-            <a:normAutofit fontScale="92500"/>
+            <a:normAutofit lnSpcReduction="10000"/>
           </a:bodyPr>
           <a:lstStyle/>
           <a:p>
@@ -5073,13 +5078,7 @@
             </a:r>
             <a:r>
               <a:rPr lang="hu-HU" sz="3600" dirty="0"/>
-              <a:t> : Ezt használjuk hogy lássuk hogy áll a munka a weboldalon.</a:t>
-            </a:r>
-          </a:p>
-          <a:p>
-            <a:r>
-              <a:rPr lang="hu-HU" sz="3600" dirty="0"/>
-              <a:t>           És a munkakiosztáshoz. </a:t>
+              <a:t> : Ezt használjuk hogy lássuk hogy áll a munka a weboldalon, és a munkakiosztáshoz. </a:t>
             </a:r>
           </a:p>
           <a:p>
@@ -5253,7 +5252,7 @@
                                   <p:stCondLst>
                                     <p:cond delay="0"/>
                                   </p:stCondLst>
-                                  <p:iterate type="lt">
+                                  <p:iterate type="wd">
                                     <p:tmPct val="10000"/>
                                   </p:iterate>
                                   <p:childTnLst>
@@ -5594,7 +5593,7 @@
                                   <p:stCondLst>
                                     <p:cond delay="0"/>
                                   </p:stCondLst>
-                                  <p:iterate type="lt">
+                                  <p:iterate type="wd">
                                     <p:tmPct val="10000"/>
                                   </p:iterate>
                                   <p:childTnLst>
@@ -5935,7 +5934,7 @@
                                   <p:stCondLst>
                                     <p:cond delay="0"/>
                                   </p:stCondLst>
-                                  <p:iterate type="lt">
+                                  <p:iterate type="wd">
                                     <p:tmPct val="10000"/>
                                   </p:iterate>
                                   <p:childTnLst>
@@ -6276,7 +6275,7 @@
                                   <p:stCondLst>
                                     <p:cond delay="0"/>
                                   </p:stCondLst>
-                                  <p:iterate type="lt">
+                                  <p:iterate type="wd">
                                     <p:tmPct val="10000"/>
                                   </p:iterate>
                                   <p:childTnLst>
@@ -6603,347 +6602,6 @@
                                           <p:spTgt spid="3">
                                             <p:txEl>
                                               <p:pRg st="3" end="3"/>
-                                            </p:txEl>
-                                          </p:spTgt>
-                                        </p:tgtEl>
-                                      </p:cBhvr>
-                                      <p:to x="100000" y="100000"/>
-                                    </p:animScale>
-                                  </p:childTnLst>
-                                </p:cTn>
-                              </p:par>
-                              <p:par>
-                                <p:cTn id="74" presetID="26" presetClass="entr" presetSubtype="0" fill="hold" nodeType="withEffect">
-                                  <p:stCondLst>
-                                    <p:cond delay="0"/>
-                                  </p:stCondLst>
-                                  <p:iterate type="lt">
-                                    <p:tmPct val="10000"/>
-                                  </p:iterate>
-                                  <p:childTnLst>
-                                    <p:set>
-                                      <p:cBhvr>
-                                        <p:cTn id="75" dur="1" fill="hold">
-                                          <p:stCondLst>
-                                            <p:cond delay="0"/>
-                                          </p:stCondLst>
-                                        </p:cTn>
-                                        <p:tgtEl>
-                                          <p:spTgt spid="3">
-                                            <p:txEl>
-                                              <p:pRg st="4" end="4"/>
-                                            </p:txEl>
-                                          </p:spTgt>
-                                        </p:tgtEl>
-                                        <p:attrNameLst>
-                                          <p:attrName>style.visibility</p:attrName>
-                                        </p:attrNameLst>
-                                      </p:cBhvr>
-                                      <p:to>
-                                        <p:strVal val="visible"/>
-                                      </p:to>
-                                    </p:set>
-                                    <p:animEffect transition="in" filter="wipe(down)">
-                                      <p:cBhvr>
-                                        <p:cTn id="76" dur="580">
-                                          <p:stCondLst>
-                                            <p:cond delay="0"/>
-                                          </p:stCondLst>
-                                        </p:cTn>
-                                        <p:tgtEl>
-                                          <p:spTgt spid="3">
-                                            <p:txEl>
-                                              <p:pRg st="4" end="4"/>
-                                            </p:txEl>
-                                          </p:spTgt>
-                                        </p:tgtEl>
-                                      </p:cBhvr>
-                                    </p:animEffect>
-                                    <p:anim calcmode="lin" valueType="num">
-                                      <p:cBhvr>
-                                        <p:cTn id="77" dur="1822" tmFilter="0,0; 0.14,0.36; 0.43,0.73; 0.71,0.91; 1.0,1.0">
-                                          <p:stCondLst>
-                                            <p:cond delay="0"/>
-                                          </p:stCondLst>
-                                        </p:cTn>
-                                        <p:tgtEl>
-                                          <p:spTgt spid="3">
-                                            <p:txEl>
-                                              <p:pRg st="4" end="4"/>
-                                            </p:txEl>
-                                          </p:spTgt>
-                                        </p:tgtEl>
-                                        <p:attrNameLst>
-                                          <p:attrName>ppt_x</p:attrName>
-                                        </p:attrNameLst>
-                                      </p:cBhvr>
-                                      <p:tavLst>
-                                        <p:tav tm="0">
-                                          <p:val>
-                                            <p:strVal val="#ppt_x-0.25"/>
-                                          </p:val>
-                                        </p:tav>
-                                        <p:tav tm="100000">
-                                          <p:val>
-                                            <p:strVal val="#ppt_x"/>
-                                          </p:val>
-                                        </p:tav>
-                                      </p:tavLst>
-                                    </p:anim>
-                                    <p:anim calcmode="lin" valueType="num">
-                                      <p:cBhvr>
-                                        <p:cTn id="78" dur="664" tmFilter="0.0,0.0; 0.25,0.07; 0.50,0.2; 0.75,0.467; 1.0,1.0">
-                                          <p:stCondLst>
-                                            <p:cond delay="0"/>
-                                          </p:stCondLst>
-                                        </p:cTn>
-                                        <p:tgtEl>
-                                          <p:spTgt spid="3">
-                                            <p:txEl>
-                                              <p:pRg st="4" end="4"/>
-                                            </p:txEl>
-                                          </p:spTgt>
-                                        </p:tgtEl>
-                                        <p:attrNameLst>
-                                          <p:attrName>ppt_y</p:attrName>
-                                        </p:attrNameLst>
-                                      </p:cBhvr>
-                                      <p:tavLst>
-                                        <p:tav tm="0" fmla="#ppt_y-sin(pi*$)/3">
-                                          <p:val>
-                                            <p:fltVal val="0.5"/>
-                                          </p:val>
-                                        </p:tav>
-                                        <p:tav tm="100000">
-                                          <p:val>
-                                            <p:fltVal val="1"/>
-                                          </p:val>
-                                        </p:tav>
-                                      </p:tavLst>
-                                    </p:anim>
-                                    <p:anim calcmode="lin" valueType="num">
-                                      <p:cBhvr>
-                                        <p:cTn id="79" dur="664" tmFilter="0, 0; 0.125,0.2665; 0.25,0.4; 0.375,0.465; 0.5,0.5;  0.625,0.535; 0.75,0.6; 0.875,0.7335; 1,1">
-                                          <p:stCondLst>
-                                            <p:cond delay="664"/>
-                                          </p:stCondLst>
-                                        </p:cTn>
-                                        <p:tgtEl>
-                                          <p:spTgt spid="3">
-                                            <p:txEl>
-                                              <p:pRg st="4" end="4"/>
-                                            </p:txEl>
-                                          </p:spTgt>
-                                        </p:tgtEl>
-                                        <p:attrNameLst>
-                                          <p:attrName>ppt_y</p:attrName>
-                                        </p:attrNameLst>
-                                      </p:cBhvr>
-                                      <p:tavLst>
-                                        <p:tav tm="0" fmla="#ppt_y-sin(pi*$)/9">
-                                          <p:val>
-                                            <p:fltVal val="0"/>
-                                          </p:val>
-                                        </p:tav>
-                                        <p:tav tm="100000">
-                                          <p:val>
-                                            <p:fltVal val="1"/>
-                                          </p:val>
-                                        </p:tav>
-                                      </p:tavLst>
-                                    </p:anim>
-                                    <p:anim calcmode="lin" valueType="num">
-                                      <p:cBhvr>
-                                        <p:cTn id="80" dur="332" tmFilter="0, 0; 0.125,0.2665; 0.25,0.4; 0.375,0.465; 0.5,0.5;  0.625,0.535; 0.75,0.6; 0.875,0.7335; 1,1">
-                                          <p:stCondLst>
-                                            <p:cond delay="1324"/>
-                                          </p:stCondLst>
-                                        </p:cTn>
-                                        <p:tgtEl>
-                                          <p:spTgt spid="3">
-                                            <p:txEl>
-                                              <p:pRg st="4" end="4"/>
-                                            </p:txEl>
-                                          </p:spTgt>
-                                        </p:tgtEl>
-                                        <p:attrNameLst>
-                                          <p:attrName>ppt_y</p:attrName>
-                                        </p:attrNameLst>
-                                      </p:cBhvr>
-                                      <p:tavLst>
-                                        <p:tav tm="0" fmla="#ppt_y-sin(pi*$)/27">
-                                          <p:val>
-                                            <p:fltVal val="0"/>
-                                          </p:val>
-                                        </p:tav>
-                                        <p:tav tm="100000">
-                                          <p:val>
-                                            <p:fltVal val="1"/>
-                                          </p:val>
-                                        </p:tav>
-                                      </p:tavLst>
-                                    </p:anim>
-                                    <p:anim calcmode="lin" valueType="num">
-                                      <p:cBhvr>
-                                        <p:cTn id="81" dur="164" tmFilter="0, 0; 0.125,0.2665; 0.25,0.4; 0.375,0.465; 0.5,0.5;  0.625,0.535; 0.75,0.6; 0.875,0.7335; 1,1">
-                                          <p:stCondLst>
-                                            <p:cond delay="1656"/>
-                                          </p:stCondLst>
-                                        </p:cTn>
-                                        <p:tgtEl>
-                                          <p:spTgt spid="3">
-                                            <p:txEl>
-                                              <p:pRg st="4" end="4"/>
-                                            </p:txEl>
-                                          </p:spTgt>
-                                        </p:tgtEl>
-                                        <p:attrNameLst>
-                                          <p:attrName>ppt_y</p:attrName>
-                                        </p:attrNameLst>
-                                      </p:cBhvr>
-                                      <p:tavLst>
-                                        <p:tav tm="0" fmla="#ppt_y-sin(pi*$)/81">
-                                          <p:val>
-                                            <p:fltVal val="0"/>
-                                          </p:val>
-                                        </p:tav>
-                                        <p:tav tm="100000">
-                                          <p:val>
-                                            <p:fltVal val="1"/>
-                                          </p:val>
-                                        </p:tav>
-                                      </p:tavLst>
-                                    </p:anim>
-                                    <p:animScale>
-                                      <p:cBhvr>
-                                        <p:cTn id="82" dur="26">
-                                          <p:stCondLst>
-                                            <p:cond delay="650"/>
-                                          </p:stCondLst>
-                                        </p:cTn>
-                                        <p:tgtEl>
-                                          <p:spTgt spid="3">
-                                            <p:txEl>
-                                              <p:pRg st="4" end="4"/>
-                                            </p:txEl>
-                                          </p:spTgt>
-                                        </p:tgtEl>
-                                      </p:cBhvr>
-                                      <p:to x="100000" y="60000"/>
-                                    </p:animScale>
-                                    <p:animScale>
-                                      <p:cBhvr>
-                                        <p:cTn id="83" dur="166" decel="50000">
-                                          <p:stCondLst>
-                                            <p:cond delay="676"/>
-                                          </p:stCondLst>
-                                        </p:cTn>
-                                        <p:tgtEl>
-                                          <p:spTgt spid="3">
-                                            <p:txEl>
-                                              <p:pRg st="4" end="4"/>
-                                            </p:txEl>
-                                          </p:spTgt>
-                                        </p:tgtEl>
-                                      </p:cBhvr>
-                                      <p:to x="100000" y="100000"/>
-                                    </p:animScale>
-                                    <p:animScale>
-                                      <p:cBhvr>
-                                        <p:cTn id="84" dur="26">
-                                          <p:stCondLst>
-                                            <p:cond delay="1312"/>
-                                          </p:stCondLst>
-                                        </p:cTn>
-                                        <p:tgtEl>
-                                          <p:spTgt spid="3">
-                                            <p:txEl>
-                                              <p:pRg st="4" end="4"/>
-                                            </p:txEl>
-                                          </p:spTgt>
-                                        </p:tgtEl>
-                                      </p:cBhvr>
-                                      <p:to x="100000" y="80000"/>
-                                    </p:animScale>
-                                    <p:animScale>
-                                      <p:cBhvr>
-                                        <p:cTn id="85" dur="166" decel="50000">
-                                          <p:stCondLst>
-                                            <p:cond delay="1338"/>
-                                          </p:stCondLst>
-                                        </p:cTn>
-                                        <p:tgtEl>
-                                          <p:spTgt spid="3">
-                                            <p:txEl>
-                                              <p:pRg st="4" end="4"/>
-                                            </p:txEl>
-                                          </p:spTgt>
-                                        </p:tgtEl>
-                                      </p:cBhvr>
-                                      <p:to x="100000" y="100000"/>
-                                    </p:animScale>
-                                    <p:animScale>
-                                      <p:cBhvr>
-                                        <p:cTn id="86" dur="26">
-                                          <p:stCondLst>
-                                            <p:cond delay="1642"/>
-                                          </p:stCondLst>
-                                        </p:cTn>
-                                        <p:tgtEl>
-                                          <p:spTgt spid="3">
-                                            <p:txEl>
-                                              <p:pRg st="4" end="4"/>
-                                            </p:txEl>
-                                          </p:spTgt>
-                                        </p:tgtEl>
-                                      </p:cBhvr>
-                                      <p:to x="100000" y="90000"/>
-                                    </p:animScale>
-                                    <p:animScale>
-                                      <p:cBhvr>
-                                        <p:cTn id="87" dur="166" decel="50000">
-                                          <p:stCondLst>
-                                            <p:cond delay="1668"/>
-                                          </p:stCondLst>
-                                        </p:cTn>
-                                        <p:tgtEl>
-                                          <p:spTgt spid="3">
-                                            <p:txEl>
-                                              <p:pRg st="4" end="4"/>
-                                            </p:txEl>
-                                          </p:spTgt>
-                                        </p:tgtEl>
-                                      </p:cBhvr>
-                                      <p:to x="100000" y="100000"/>
-                                    </p:animScale>
-                                    <p:animScale>
-                                      <p:cBhvr>
-                                        <p:cTn id="88" dur="26">
-                                          <p:stCondLst>
-                                            <p:cond delay="1808"/>
-                                          </p:stCondLst>
-                                        </p:cTn>
-                                        <p:tgtEl>
-                                          <p:spTgt spid="3">
-                                            <p:txEl>
-                                              <p:pRg st="4" end="4"/>
-                                            </p:txEl>
-                                          </p:spTgt>
-                                        </p:tgtEl>
-                                      </p:cBhvr>
-                                      <p:to x="100000" y="95000"/>
-                                    </p:animScale>
-                                    <p:animScale>
-                                      <p:cBhvr>
-                                        <p:cTn id="89" dur="166" decel="50000">
-                                          <p:stCondLst>
-                                            <p:cond delay="1834"/>
-                                          </p:stCondLst>
-                                        </p:cTn>
-                                        <p:tgtEl>
-                                          <p:spTgt spid="3">
-                                            <p:txEl>
-                                              <p:pRg st="4" end="4"/>
                                             </p:txEl>
                                           </p:spTgt>
                                         </p:tgtEl>
@@ -6957,20 +6615,20 @@
                           </p:cTn>
                         </p:par>
                         <p:par>
-                          <p:cTn id="90" fill="hold">
+                          <p:cTn id="74" fill="hold">
                             <p:stCondLst>
-                              <p:cond delay="16200"/>
+                              <p:cond delay="5200"/>
                             </p:stCondLst>
                             <p:childTnLst>
                               <p:par>
-                                <p:cTn id="91" presetID="7" presetClass="emph" presetSubtype="2" fill="hold" nodeType="afterEffect">
+                                <p:cTn id="75" presetID="7" presetClass="emph" presetSubtype="2" fill="hold" nodeType="afterEffect">
                                   <p:stCondLst>
                                     <p:cond delay="0"/>
                                   </p:stCondLst>
                                   <p:childTnLst>
                                     <p:animClr clrSpc="rgb" dir="cw">
                                       <p:cBhvr>
-                                        <p:cTn id="92" dur="2000" fill="hold"/>
+                                        <p:cTn id="76" dur="2000" fill="hold"/>
                                         <p:tgtEl>
                                           <p:spTgt spid="3"/>
                                         </p:tgtEl>
@@ -6984,7 +6642,7 @@
                                     </p:animClr>
                                     <p:set>
                                       <p:cBhvr>
-                                        <p:cTn id="93" dur="2000" fill="hold"/>
+                                        <p:cTn id="77" dur="2000" fill="hold"/>
                                         <p:tgtEl>
                                           <p:spTgt spid="3"/>
                                         </p:tgtEl>
@@ -7003,23 +6661,23 @@
                           </p:cTn>
                         </p:par>
                         <p:par>
-                          <p:cTn id="94" fill="hold">
+                          <p:cTn id="78" fill="hold">
                             <p:stCondLst>
-                              <p:cond delay="18200"/>
+                              <p:cond delay="7200"/>
                             </p:stCondLst>
                             <p:childTnLst>
                               <p:par>
-                                <p:cTn id="95" presetID="15" presetClass="emph" presetSubtype="0" grpId="0" nodeType="afterEffect">
+                                <p:cTn id="79" presetID="15" presetClass="emph" presetSubtype="0" grpId="0" nodeType="afterEffect">
                                   <p:stCondLst>
                                     <p:cond delay="0"/>
                                   </p:stCondLst>
-                                  <p:iterate type="lt">
+                                  <p:iterate type="wd">
                                     <p:tmAbs val="25"/>
                                   </p:iterate>
                                   <p:childTnLst>
                                     <p:set>
                                       <p:cBhvr override="childStyle">
-                                        <p:cTn id="96" dur="indefinite"/>
+                                        <p:cTn id="80" dur="indefinite"/>
                                         <p:tgtEl>
                                           <p:spTgt spid="3">
                                             <p:txEl>
@@ -7042,23 +6700,23 @@
                           </p:cTn>
                         </p:par>
                         <p:par>
-                          <p:cTn id="97" fill="hold">
+                          <p:cTn id="81" fill="hold">
                             <p:stCondLst>
-                              <p:cond delay="19575"/>
+                              <p:cond delay="7625"/>
                             </p:stCondLst>
                             <p:childTnLst>
                               <p:par>
-                                <p:cTn id="98" presetID="15" presetClass="emph" presetSubtype="0" grpId="0" nodeType="afterEffect">
+                                <p:cTn id="82" presetID="15" presetClass="emph" presetSubtype="0" grpId="0" nodeType="afterEffect">
                                   <p:stCondLst>
                                     <p:cond delay="0"/>
                                   </p:stCondLst>
-                                  <p:iterate type="lt">
+                                  <p:iterate type="wd">
                                     <p:tmAbs val="25"/>
                                   </p:iterate>
                                   <p:childTnLst>
                                     <p:set>
                                       <p:cBhvr override="childStyle">
-                                        <p:cTn id="99" dur="indefinite"/>
+                                        <p:cTn id="83" dur="indefinite"/>
                                         <p:tgtEl>
                                           <p:spTgt spid="3">
                                             <p:txEl>
@@ -7081,23 +6739,23 @@
                           </p:cTn>
                         </p:par>
                         <p:par>
-                          <p:cTn id="100" fill="hold">
+                          <p:cTn id="84" fill="hold">
                             <p:stCondLst>
-                              <p:cond delay="20075"/>
+                              <p:cond delay="7950"/>
                             </p:stCondLst>
                             <p:childTnLst>
                               <p:par>
-                                <p:cTn id="101" presetID="15" presetClass="emph" presetSubtype="0" grpId="0" nodeType="afterEffect">
+                                <p:cTn id="85" presetID="15" presetClass="emph" presetSubtype="0" grpId="0" nodeType="afterEffect">
                                   <p:stCondLst>
                                     <p:cond delay="0"/>
                                   </p:stCondLst>
-                                  <p:iterate type="lt">
+                                  <p:iterate type="wd">
                                     <p:tmAbs val="25"/>
                                   </p:iterate>
                                   <p:childTnLst>
                                     <p:set>
                                       <p:cBhvr override="childStyle">
-                                        <p:cTn id="102" dur="indefinite"/>
+                                        <p:cTn id="86" dur="indefinite"/>
                                         <p:tgtEl>
                                           <p:spTgt spid="3">
                                             <p:txEl>
@@ -7120,23 +6778,23 @@
                           </p:cTn>
                         </p:par>
                         <p:par>
-                          <p:cTn id="103" fill="hold">
+                          <p:cTn id="87" fill="hold">
                             <p:stCondLst>
-                              <p:cond delay="21450"/>
+                              <p:cond delay="8225"/>
                             </p:stCondLst>
                             <p:childTnLst>
                               <p:par>
-                                <p:cTn id="104" presetID="15" presetClass="emph" presetSubtype="0" grpId="0" nodeType="afterEffect">
+                                <p:cTn id="88" presetID="15" presetClass="emph" presetSubtype="0" grpId="0" nodeType="afterEffect">
                                   <p:stCondLst>
                                     <p:cond delay="0"/>
                                   </p:stCondLst>
-                                  <p:iterate type="lt">
+                                  <p:iterate type="wd">
                                     <p:tmAbs val="25"/>
                                   </p:iterate>
                                   <p:childTnLst>
                                     <p:set>
                                       <p:cBhvr override="childStyle">
-                                        <p:cTn id="105" dur="indefinite"/>
+                                        <p:cTn id="89" dur="indefinite"/>
                                         <p:tgtEl>
                                           <p:spTgt spid="3">
                                             <p:txEl>
@@ -7159,62 +6817,23 @@
                           </p:cTn>
                         </p:par>
                         <p:par>
-                          <p:cTn id="106" fill="hold">
+                          <p:cTn id="90" fill="hold">
                             <p:stCondLst>
-                              <p:cond delay="22600"/>
+                              <p:cond delay="8550"/>
                             </p:stCondLst>
                             <p:childTnLst>
                               <p:par>
-                                <p:cTn id="107" presetID="15" presetClass="emph" presetSubtype="0" grpId="0" nodeType="afterEffect">
+                                <p:cTn id="91" presetID="34" presetClass="emph" presetSubtype="0" fill="hold" grpId="1" nodeType="afterEffect">
                                   <p:stCondLst>
                                     <p:cond delay="0"/>
                                   </p:stCondLst>
-                                  <p:iterate type="lt">
-                                    <p:tmAbs val="25"/>
-                                  </p:iterate>
-                                  <p:childTnLst>
-                                    <p:set>
-                                      <p:cBhvr override="childStyle">
-                                        <p:cTn id="108" dur="indefinite"/>
-                                        <p:tgtEl>
-                                          <p:spTgt spid="3">
-                                            <p:txEl>
-                                              <p:pRg st="4" end="4"/>
-                                            </p:txEl>
-                                          </p:spTgt>
-                                        </p:tgtEl>
-                                        <p:attrNameLst>
-                                          <p:attrName>style.fontWeight</p:attrName>
-                                        </p:attrNameLst>
-                                      </p:cBhvr>
-                                      <p:to>
-                                        <p:strVal val="bold"/>
-                                      </p:to>
-                                    </p:set>
-                                  </p:childTnLst>
-                                </p:cTn>
-                              </p:par>
-                            </p:childTnLst>
-                          </p:cTn>
-                        </p:par>
-                        <p:par>
-                          <p:cTn id="109" fill="hold">
-                            <p:stCondLst>
-                              <p:cond delay="24400"/>
-                            </p:stCondLst>
-                            <p:childTnLst>
-                              <p:par>
-                                <p:cTn id="110" presetID="34" presetClass="emph" presetSubtype="0" fill="hold" grpId="1" nodeType="afterEffect">
-                                  <p:stCondLst>
-                                    <p:cond delay="0"/>
-                                  </p:stCondLst>
-                                  <p:iterate type="lt">
+                                  <p:iterate type="wd">
                                     <p:tmPct val="10000"/>
                                   </p:iterate>
                                   <p:childTnLst>
                                     <p:animMotion origin="layout" path="M 0.0 0.0 L 0.0 -0.07213" pathEditMode="relative" ptsTypes="">
                                       <p:cBhvr>
-                                        <p:cTn id="111" dur="250" accel="50000" decel="50000" autoRev="1" fill="hold">
+                                        <p:cTn id="92" dur="250" accel="50000" decel="50000" autoRev="1" fill="hold">
                                           <p:stCondLst>
                                             <p:cond delay="0"/>
                                           </p:stCondLst>
@@ -7234,7 +6853,7 @@
                                     </p:animMotion>
                                     <p:animRot by="1500000">
                                       <p:cBhvr>
-                                        <p:cTn id="112" dur="125" fill="hold">
+                                        <p:cTn id="93" dur="125" fill="hold">
                                           <p:stCondLst>
                                             <p:cond delay="0"/>
                                           </p:stCondLst>
@@ -7253,7 +6872,7 @@
                                     </p:animRot>
                                     <p:animRot by="-1500000">
                                       <p:cBhvr>
-                                        <p:cTn id="113" dur="125" fill="hold">
+                                        <p:cTn id="94" dur="125" fill="hold">
                                           <p:stCondLst>
                                             <p:cond delay="125"/>
                                           </p:stCondLst>
@@ -7272,7 +6891,7 @@
                                     </p:animRot>
                                     <p:animRot by="-1500000">
                                       <p:cBhvr>
-                                        <p:cTn id="114" dur="125" fill="hold">
+                                        <p:cTn id="95" dur="125" fill="hold">
                                           <p:stCondLst>
                                             <p:cond delay="250"/>
                                           </p:stCondLst>
@@ -7291,7 +6910,7 @@
                                     </p:animRot>
                                     <p:animRot by="1500000">
                                       <p:cBhvr>
-                                        <p:cTn id="115" dur="125" fill="hold">
+                                        <p:cTn id="96" dur="125" fill="hold">
                                           <p:stCondLst>
                                             <p:cond delay="375"/>
                                           </p:stCondLst>
@@ -7315,23 +6934,23 @@
                           </p:cTn>
                         </p:par>
                         <p:par>
-                          <p:cTn id="116" fill="hold">
+                          <p:cTn id="97" fill="hold">
                             <p:stCondLst>
-                              <p:cond delay="27600"/>
+                              <p:cond delay="9850"/>
                             </p:stCondLst>
                             <p:childTnLst>
                               <p:par>
-                                <p:cTn id="117" presetID="34" presetClass="emph" presetSubtype="0" fill="hold" grpId="1" nodeType="afterEffect">
+                                <p:cTn id="98" presetID="34" presetClass="emph" presetSubtype="0" fill="hold" grpId="1" nodeType="afterEffect">
                                   <p:stCondLst>
                                     <p:cond delay="0"/>
                                   </p:stCondLst>
-                                  <p:iterate type="lt">
+                                  <p:iterate type="wd">
                                     <p:tmPct val="10000"/>
                                   </p:iterate>
                                   <p:childTnLst>
                                     <p:animMotion origin="layout" path="M 0.0 0.0 L 0.0 -0.07213" pathEditMode="relative" ptsTypes="">
                                       <p:cBhvr>
-                                        <p:cTn id="118" dur="250" accel="50000" decel="50000" autoRev="1" fill="hold">
+                                        <p:cTn id="99" dur="250" accel="50000" decel="50000" autoRev="1" fill="hold">
                                           <p:stCondLst>
                                             <p:cond delay="0"/>
                                           </p:stCondLst>
@@ -7351,7 +6970,7 @@
                                     </p:animMotion>
                                     <p:animRot by="1500000">
                                       <p:cBhvr>
-                                        <p:cTn id="119" dur="125" fill="hold">
+                                        <p:cTn id="100" dur="125" fill="hold">
                                           <p:stCondLst>
                                             <p:cond delay="0"/>
                                           </p:stCondLst>
@@ -7370,7 +6989,7 @@
                                     </p:animRot>
                                     <p:animRot by="-1500000">
                                       <p:cBhvr>
-                                        <p:cTn id="120" dur="125" fill="hold">
+                                        <p:cTn id="101" dur="125" fill="hold">
                                           <p:stCondLst>
                                             <p:cond delay="125"/>
                                           </p:stCondLst>
@@ -7389,7 +7008,7 @@
                                     </p:animRot>
                                     <p:animRot by="-1500000">
                                       <p:cBhvr>
-                                        <p:cTn id="121" dur="125" fill="hold">
+                                        <p:cTn id="102" dur="125" fill="hold">
                                           <p:stCondLst>
                                             <p:cond delay="250"/>
                                           </p:stCondLst>
@@ -7408,7 +7027,7 @@
                                     </p:animRot>
                                     <p:animRot by="1500000">
                                       <p:cBhvr>
-                                        <p:cTn id="122" dur="125" fill="hold">
+                                        <p:cTn id="103" dur="125" fill="hold">
                                           <p:stCondLst>
                                             <p:cond delay="375"/>
                                           </p:stCondLst>
@@ -7432,23 +7051,23 @@
                           </p:cTn>
                         </p:par>
                         <p:par>
-                          <p:cTn id="123" fill="hold">
+                          <p:cTn id="104" fill="hold">
                             <p:stCondLst>
-                              <p:cond delay="29050"/>
+                              <p:cond delay="10950"/>
                             </p:stCondLst>
                             <p:childTnLst>
                               <p:par>
-                                <p:cTn id="124" presetID="34" presetClass="emph" presetSubtype="0" fill="hold" grpId="1" nodeType="afterEffect">
+                                <p:cTn id="105" presetID="34" presetClass="emph" presetSubtype="0" fill="hold" grpId="1" nodeType="afterEffect">
                                   <p:stCondLst>
                                     <p:cond delay="0"/>
                                   </p:stCondLst>
-                                  <p:iterate type="lt">
+                                  <p:iterate type="wd">
                                     <p:tmPct val="10000"/>
                                   </p:iterate>
                                   <p:childTnLst>
                                     <p:animMotion origin="layout" path="M 0.0 0.0 L 0.0 -0.07213" pathEditMode="relative" ptsTypes="">
                                       <p:cBhvr>
-                                        <p:cTn id="125" dur="250" accel="50000" decel="50000" autoRev="1" fill="hold">
+                                        <p:cTn id="106" dur="250" accel="50000" decel="50000" autoRev="1" fill="hold">
                                           <p:stCondLst>
                                             <p:cond delay="0"/>
                                           </p:stCondLst>
@@ -7468,7 +7087,7 @@
                                     </p:animMotion>
                                     <p:animRot by="1500000">
                                       <p:cBhvr>
-                                        <p:cTn id="126" dur="125" fill="hold">
+                                        <p:cTn id="107" dur="125" fill="hold">
                                           <p:stCondLst>
                                             <p:cond delay="0"/>
                                           </p:stCondLst>
@@ -7487,7 +7106,7 @@
                                     </p:animRot>
                                     <p:animRot by="-1500000">
                                       <p:cBhvr>
-                                        <p:cTn id="127" dur="125" fill="hold">
+                                        <p:cTn id="108" dur="125" fill="hold">
                                           <p:stCondLst>
                                             <p:cond delay="125"/>
                                           </p:stCondLst>
@@ -7506,7 +7125,7 @@
                                     </p:animRot>
                                     <p:animRot by="-1500000">
                                       <p:cBhvr>
-                                        <p:cTn id="128" dur="125" fill="hold">
+                                        <p:cTn id="109" dur="125" fill="hold">
                                           <p:stCondLst>
                                             <p:cond delay="250"/>
                                           </p:stCondLst>
@@ -7525,7 +7144,7 @@
                                     </p:animRot>
                                     <p:animRot by="1500000">
                                       <p:cBhvr>
-                                        <p:cTn id="129" dur="125" fill="hold">
+                                        <p:cTn id="110" dur="125" fill="hold">
                                           <p:stCondLst>
                                             <p:cond delay="375"/>
                                           </p:stCondLst>
@@ -7549,23 +7168,23 @@
                           </p:cTn>
                         </p:par>
                         <p:par>
-                          <p:cTn id="130" fill="hold">
+                          <p:cTn id="111" fill="hold">
                             <p:stCondLst>
-                              <p:cond delay="32250"/>
+                              <p:cond delay="11950"/>
                             </p:stCondLst>
                             <p:childTnLst>
                               <p:par>
-                                <p:cTn id="131" presetID="34" presetClass="emph" presetSubtype="0" fill="hold" grpId="1" nodeType="afterEffect">
+                                <p:cTn id="112" presetID="34" presetClass="emph" presetSubtype="0" fill="hold" grpId="1" nodeType="afterEffect">
                                   <p:stCondLst>
                                     <p:cond delay="0"/>
                                   </p:stCondLst>
-                                  <p:iterate type="lt">
+                                  <p:iterate type="wd">
                                     <p:tmPct val="10000"/>
                                   </p:iterate>
                                   <p:childTnLst>
                                     <p:animMotion origin="layout" path="M 0.0 0.0 L 0.0 -0.07213" pathEditMode="relative" ptsTypes="">
                                       <p:cBhvr>
-                                        <p:cTn id="132" dur="250" accel="50000" decel="50000" autoRev="1" fill="hold">
+                                        <p:cTn id="113" dur="250" accel="50000" decel="50000" autoRev="1" fill="hold">
                                           <p:stCondLst>
                                             <p:cond delay="0"/>
                                           </p:stCondLst>
@@ -7585,7 +7204,7 @@
                                     </p:animMotion>
                                     <p:animRot by="1500000">
                                       <p:cBhvr>
-                                        <p:cTn id="133" dur="125" fill="hold">
+                                        <p:cTn id="114" dur="125" fill="hold">
                                           <p:stCondLst>
                                             <p:cond delay="0"/>
                                           </p:stCondLst>
@@ -7604,7 +7223,7 @@
                                     </p:animRot>
                                     <p:animRot by="-1500000">
                                       <p:cBhvr>
-                                        <p:cTn id="134" dur="125" fill="hold">
+                                        <p:cTn id="115" dur="125" fill="hold">
                                           <p:stCondLst>
                                             <p:cond delay="125"/>
                                           </p:stCondLst>
@@ -7623,7 +7242,7 @@
                                     </p:animRot>
                                     <p:animRot by="-1500000">
                                       <p:cBhvr>
-                                        <p:cTn id="135" dur="125" fill="hold">
+                                        <p:cTn id="116" dur="125" fill="hold">
                                           <p:stCondLst>
                                             <p:cond delay="250"/>
                                           </p:stCondLst>
@@ -7642,7 +7261,7 @@
                                     </p:animRot>
                                     <p:animRot by="1500000">
                                       <p:cBhvr>
-                                        <p:cTn id="136" dur="125" fill="hold">
+                                        <p:cTn id="117" dur="125" fill="hold">
                                           <p:stCondLst>
                                             <p:cond delay="375"/>
                                           </p:stCondLst>
@@ -7651,123 +7270,6 @@
                                           <p:spTgt spid="3">
                                             <p:txEl>
                                               <p:pRg st="3" end="3"/>
-                                            </p:txEl>
-                                          </p:spTgt>
-                                        </p:tgtEl>
-                                        <p:attrNameLst>
-                                          <p:attrName>r</p:attrName>
-                                        </p:attrNameLst>
-                                      </p:cBhvr>
-                                    </p:animRot>
-                                  </p:childTnLst>
-                                </p:cTn>
-                              </p:par>
-                            </p:childTnLst>
-                          </p:cTn>
-                        </p:par>
-                        <p:par>
-                          <p:cTn id="137" fill="hold">
-                            <p:stCondLst>
-                              <p:cond delay="35000"/>
-                            </p:stCondLst>
-                            <p:childTnLst>
-                              <p:par>
-                                <p:cTn id="138" presetID="34" presetClass="emph" presetSubtype="0" fill="hold" grpId="1" nodeType="afterEffect">
-                                  <p:stCondLst>
-                                    <p:cond delay="0"/>
-                                  </p:stCondLst>
-                                  <p:iterate type="lt">
-                                    <p:tmPct val="10000"/>
-                                  </p:iterate>
-                                  <p:childTnLst>
-                                    <p:animMotion origin="layout" path="M 0.0 0.0 L 0.0 -0.07213" pathEditMode="relative" ptsTypes="">
-                                      <p:cBhvr>
-                                        <p:cTn id="139" dur="250" accel="50000" decel="50000" autoRev="1" fill="hold">
-                                          <p:stCondLst>
-                                            <p:cond delay="0"/>
-                                          </p:stCondLst>
-                                        </p:cTn>
-                                        <p:tgtEl>
-                                          <p:spTgt spid="3">
-                                            <p:txEl>
-                                              <p:pRg st="4" end="4"/>
-                                            </p:txEl>
-                                          </p:spTgt>
-                                        </p:tgtEl>
-                                        <p:attrNameLst>
-                                          <p:attrName>ppt_x</p:attrName>
-                                          <p:attrName>ppt_y</p:attrName>
-                                        </p:attrNameLst>
-                                      </p:cBhvr>
-                                    </p:animMotion>
-                                    <p:animRot by="1500000">
-                                      <p:cBhvr>
-                                        <p:cTn id="140" dur="125" fill="hold">
-                                          <p:stCondLst>
-                                            <p:cond delay="0"/>
-                                          </p:stCondLst>
-                                        </p:cTn>
-                                        <p:tgtEl>
-                                          <p:spTgt spid="3">
-                                            <p:txEl>
-                                              <p:pRg st="4" end="4"/>
-                                            </p:txEl>
-                                          </p:spTgt>
-                                        </p:tgtEl>
-                                        <p:attrNameLst>
-                                          <p:attrName>r</p:attrName>
-                                        </p:attrNameLst>
-                                      </p:cBhvr>
-                                    </p:animRot>
-                                    <p:animRot by="-1500000">
-                                      <p:cBhvr>
-                                        <p:cTn id="141" dur="125" fill="hold">
-                                          <p:stCondLst>
-                                            <p:cond delay="125"/>
-                                          </p:stCondLst>
-                                        </p:cTn>
-                                        <p:tgtEl>
-                                          <p:spTgt spid="3">
-                                            <p:txEl>
-                                              <p:pRg st="4" end="4"/>
-                                            </p:txEl>
-                                          </p:spTgt>
-                                        </p:tgtEl>
-                                        <p:attrNameLst>
-                                          <p:attrName>r</p:attrName>
-                                        </p:attrNameLst>
-                                      </p:cBhvr>
-                                    </p:animRot>
-                                    <p:animRot by="-1500000">
-                                      <p:cBhvr>
-                                        <p:cTn id="142" dur="125" fill="hold">
-                                          <p:stCondLst>
-                                            <p:cond delay="250"/>
-                                          </p:stCondLst>
-                                        </p:cTn>
-                                        <p:tgtEl>
-                                          <p:spTgt spid="3">
-                                            <p:txEl>
-                                              <p:pRg st="4" end="4"/>
-                                            </p:txEl>
-                                          </p:spTgt>
-                                        </p:tgtEl>
-                                        <p:attrNameLst>
-                                          <p:attrName>r</p:attrName>
-                                        </p:attrNameLst>
-                                      </p:cBhvr>
-                                    </p:animRot>
-                                    <p:animRot by="1500000">
-                                      <p:cBhvr>
-                                        <p:cTn id="143" dur="125" fill="hold">
-                                          <p:stCondLst>
-                                            <p:cond delay="375"/>
-                                          </p:stCondLst>
-                                        </p:cTn>
-                                        <p:tgtEl>
-                                          <p:spTgt spid="3">
-                                            <p:txEl>
-                                              <p:pRg st="4" end="4"/>
                                             </p:txEl>
                                           </p:spTgt>
                                         </p:tgtEl>

--- a/Power Point/LUCKY KÁVÉZÓJA.pptx
+++ b/Power Point/LUCKY KÁVÉZÓJA.pptx
@@ -10,6 +10,7 @@
     <p:sldId id="258" r:id="rId4"/>
     <p:sldId id="261" r:id="rId5"/>
     <p:sldId id="260" r:id="rId6"/>
+    <p:sldId id="262" r:id="rId7"/>
   </p:sldIdLst>
   <p:sldSz cx="12192000" cy="6858000"/>
   <p:notesSz cx="6858000" cy="9144000"/>
@@ -5093,12 +5094,8 @@
           </a:p>
           <a:p>
             <a:r>
-              <a:rPr lang="hu-HU" sz="3600" dirty="0" err="1"/>
-              <a:t>Github</a:t>
-            </a:r>
-            <a:r>
               <a:rPr lang="hu-HU" sz="3600" dirty="0"/>
-              <a:t> : Ezen Tároljuk és osszuk meg egymás a Fájlokat.</a:t>
+              <a:t>Github : Ezen Tároljuk és osszuk meg egymás a Fájlokat.</a:t>
             </a:r>
           </a:p>
           <a:p>
@@ -8106,6 +8103,110 @@
       <p:bldP spid="3" grpId="0" uiExpand="1" build="allAtOnce"/>
     </p:bldLst>
   </p:timing>
+</p:sld>
+</file>
+
+<file path=ppt/slides/slide6.xml><?xml version="1.0" encoding="utf-8"?>
+<p:sld xmlns:a="http://schemas.openxmlformats.org/drawingml/2006/main" xmlns:r="http://schemas.openxmlformats.org/officeDocument/2006/relationships" xmlns:p="http://schemas.openxmlformats.org/presentationml/2006/main">
+  <p:cSld>
+    <p:spTree>
+      <p:nvGrpSpPr>
+        <p:cNvPr id="1" name=""/>
+        <p:cNvGrpSpPr/>
+        <p:nvPr/>
+      </p:nvGrpSpPr>
+      <p:grpSpPr>
+        <a:xfrm>
+          <a:off x="0" y="0"/>
+          <a:ext cx="0" cy="0"/>
+          <a:chOff x="0" y="0"/>
+          <a:chExt cx="0" cy="0"/>
+        </a:xfrm>
+      </p:grpSpPr>
+      <p:sp>
+        <p:nvSpPr>
+          <p:cNvPr id="2" name="Cím 1">
+            <a:extLst>
+              <a:ext uri="{FF2B5EF4-FFF2-40B4-BE49-F238E27FC236}">
+                <a16:creationId xmlns:a16="http://schemas.microsoft.com/office/drawing/2014/main" id="{60D3B698-B313-4AF8-BFC7-134C55BF62C4}"/>
+              </a:ext>
+            </a:extLst>
+          </p:cNvPr>
+          <p:cNvSpPr>
+            <a:spLocks noGrp="1"/>
+          </p:cNvSpPr>
+          <p:nvPr>
+            <p:ph type="title"/>
+          </p:nvPr>
+        </p:nvSpPr>
+        <p:spPr/>
+        <p:txBody>
+          <a:bodyPr/>
+          <a:lstStyle/>
+          <a:p>
+            <a:r>
+              <a:rPr lang="hu-HU" dirty="0"/>
+              <a:t>Köszönöm a Figyelmet.</a:t>
+            </a:r>
+          </a:p>
+        </p:txBody>
+      </p:sp>
+      <p:sp>
+        <p:nvSpPr>
+          <p:cNvPr id="3" name="Tartalom helye 2">
+            <a:extLst>
+              <a:ext uri="{FF2B5EF4-FFF2-40B4-BE49-F238E27FC236}">
+                <a16:creationId xmlns:a16="http://schemas.microsoft.com/office/drawing/2014/main" id="{D264EF66-A138-473A-BBFF-DB23E19679FE}"/>
+              </a:ext>
+            </a:extLst>
+          </p:cNvPr>
+          <p:cNvSpPr>
+            <a:spLocks noGrp="1"/>
+          </p:cNvSpPr>
+          <p:nvPr>
+            <p:ph idx="1"/>
+          </p:nvPr>
+        </p:nvSpPr>
+        <p:spPr/>
+        <p:txBody>
+          <a:bodyPr/>
+          <a:lstStyle/>
+          <a:p>
+            <a:r>
+              <a:rPr lang="hu-HU" dirty="0">
+                <a:hlinkClick r:id="rId2" action="ppaction://hlinkfile"/>
+              </a:rPr>
+              <a:t>A </a:t>
+            </a:r>
+            <a:r>
+              <a:rPr lang="hu-HU" dirty="0" err="1">
+                <a:hlinkClick r:id="rId2" action="ppaction://hlinkfile"/>
+              </a:rPr>
+              <a:t>weaboldal</a:t>
+            </a:r>
+            <a:endParaRPr lang="hu-HU" dirty="0"/>
+          </a:p>
+          <a:p>
+            <a:r>
+              <a:rPr lang="hu-HU" dirty="0">
+                <a:hlinkClick r:id="rId3"/>
+              </a:rPr>
+              <a:t>Github</a:t>
+            </a:r>
+            <a:endParaRPr lang="hu-HU" dirty="0"/>
+          </a:p>
+        </p:txBody>
+      </p:sp>
+    </p:spTree>
+    <p:extLst>
+      <p:ext uri="{BB962C8B-B14F-4D97-AF65-F5344CB8AC3E}">
+        <p14:creationId xmlns:p14="http://schemas.microsoft.com/office/powerpoint/2010/main" val="3369212630"/>
+      </p:ext>
+    </p:extLst>
+  </p:cSld>
+  <p:clrMapOvr>
+    <a:masterClrMapping/>
+  </p:clrMapOvr>
 </p:sld>
 </file>
 
